--- a/day 7/SAC_Training Day 7.pptx
+++ b/day 7/SAC_Training Day 7.pptx
@@ -1447,7 +1447,7 @@
           <a:p>
             <a:fld id="{4AF2A06D-4991-4208-8C88-4E8BAD69A8B8}" type="datetimeFigureOut">
               <a:rPr lang="en-US" smtClean="0"/>
-              <a:t>3/22/2022</a:t>
+              <a:t>2/10/2023</a:t>
             </a:fld>
             <a:endParaRPr lang="en-US"/>
           </a:p>
@@ -2071,7 +2071,7 @@
           <a:p>
             <a:fld id="{E26E0DA5-0C76-4851-AA82-0B75261F9EB4}" type="datetimeFigureOut">
               <a:rPr lang="en-US" smtClean="0"/>
-              <a:t>3/22/2022</a:t>
+              <a:t>2/10/2023</a:t>
             </a:fld>
             <a:endParaRPr lang="en-US"/>
           </a:p>
@@ -2239,7 +2239,7 @@
           <a:p>
             <a:fld id="{E26E0DA5-0C76-4851-AA82-0B75261F9EB4}" type="datetimeFigureOut">
               <a:rPr lang="en-US" smtClean="0"/>
-              <a:t>3/22/2022</a:t>
+              <a:t>2/10/2023</a:t>
             </a:fld>
             <a:endParaRPr lang="en-US"/>
           </a:p>
@@ -2417,7 +2417,7 @@
           <a:p>
             <a:fld id="{E26E0DA5-0C76-4851-AA82-0B75261F9EB4}" type="datetimeFigureOut">
               <a:rPr lang="en-US" smtClean="0"/>
-              <a:t>3/22/2022</a:t>
+              <a:t>2/10/2023</a:t>
             </a:fld>
             <a:endParaRPr lang="en-US"/>
           </a:p>
@@ -2744,7 +2744,7 @@
             <a:fld id="{9578D6DB-6798-42D2-B9AD-FC6F1C72FC30}" type="datetimeFigureOut">
               <a:rPr lang="en-US" smtClean="0"/>
               <a:pPr/>
-              <a:t>3/22/2022</a:t>
+              <a:t>2/10/2023</a:t>
             </a:fld>
             <a:endParaRPr lang="en-US"/>
           </a:p>
@@ -2986,7 +2986,7 @@
             <a:fld id="{425404F2-BE9A-4460-8815-8F645183555F}" type="datetimeFigureOut">
               <a:rPr lang="en-US" smtClean="0"/>
               <a:pPr/>
-              <a:t>3/22/2022</a:t>
+              <a:t>2/10/2023</a:t>
             </a:fld>
             <a:endParaRPr lang="en-US"/>
           </a:p>
@@ -3114,7 +3114,7 @@
             <a:fld id="{425404F2-BE9A-4460-8815-8F645183555F}" type="datetimeFigureOut">
               <a:rPr lang="en-US" smtClean="0"/>
               <a:pPr/>
-              <a:t>3/22/2022</a:t>
+              <a:t>2/10/2023</a:t>
             </a:fld>
             <a:endParaRPr lang="en-US"/>
           </a:p>
@@ -3364,7 +3364,7 @@
             <a:fld id="{425404F2-BE9A-4460-8815-8F645183555F}" type="datetimeFigureOut">
               <a:rPr lang="en-US" smtClean="0"/>
               <a:pPr/>
-              <a:t>3/22/2022</a:t>
+              <a:t>2/10/2023</a:t>
             </a:fld>
             <a:endParaRPr lang="en-US"/>
           </a:p>
@@ -3534,7 +3534,7 @@
             <a:fld id="{425404F2-BE9A-4460-8815-8F645183555F}" type="datetimeFigureOut">
               <a:rPr lang="en-US" smtClean="0"/>
               <a:pPr/>
-              <a:t>3/22/2022</a:t>
+              <a:t>2/10/2023</a:t>
             </a:fld>
             <a:endParaRPr lang="en-US"/>
           </a:p>
@@ -3821,7 +3821,7 @@
             <a:fld id="{425404F2-BE9A-4460-8815-8F645183555F}" type="datetimeFigureOut">
               <a:rPr lang="en-US" smtClean="0"/>
               <a:pPr/>
-              <a:t>3/22/2022</a:t>
+              <a:t>2/10/2023</a:t>
             </a:fld>
             <a:endParaRPr lang="en-US"/>
           </a:p>
@@ -4242,7 +4242,7 @@
             <a:fld id="{425404F2-BE9A-4460-8815-8F645183555F}" type="datetimeFigureOut">
               <a:rPr lang="en-US" smtClean="0"/>
               <a:pPr/>
-              <a:t>3/22/2022</a:t>
+              <a:t>2/10/2023</a:t>
             </a:fld>
             <a:endParaRPr lang="en-US"/>
           </a:p>
@@ -4367,7 +4367,7 @@
             <a:fld id="{425404F2-BE9A-4460-8815-8F645183555F}" type="datetimeFigureOut">
               <a:rPr lang="en-US" smtClean="0"/>
               <a:pPr/>
-              <a:t>3/22/2022</a:t>
+              <a:t>2/10/2023</a:t>
             </a:fld>
             <a:endParaRPr lang="en-US"/>
           </a:p>
@@ -4593,7 +4593,7 @@
           <a:p>
             <a:fld id="{E26E0DA5-0C76-4851-AA82-0B75261F9EB4}" type="datetimeFigureOut">
               <a:rPr lang="en-US" smtClean="0"/>
-              <a:t>3/22/2022</a:t>
+              <a:t>2/10/2023</a:t>
             </a:fld>
             <a:endParaRPr lang="en-US"/>
           </a:p>
@@ -4717,7 +4717,7 @@
             <a:fld id="{425404F2-BE9A-4460-8815-8F645183555F}" type="datetimeFigureOut">
               <a:rPr lang="en-US" smtClean="0"/>
               <a:pPr/>
-              <a:t>3/22/2022</a:t>
+              <a:t>2/10/2023</a:t>
             </a:fld>
             <a:endParaRPr lang="en-US"/>
           </a:p>
@@ -5264,7 +5264,7 @@
             <a:fld id="{425404F2-BE9A-4460-8815-8F645183555F}" type="datetimeFigureOut">
               <a:rPr lang="en-US" smtClean="0"/>
               <a:pPr/>
-              <a:t>3/22/2022</a:t>
+              <a:t>2/10/2023</a:t>
             </a:fld>
             <a:endParaRPr lang="en-US"/>
           </a:p>
@@ -5412,7 +5412,7 @@
             <a:fld id="{425404F2-BE9A-4460-8815-8F645183555F}" type="datetimeFigureOut">
               <a:rPr lang="en-US" smtClean="0"/>
               <a:pPr/>
-              <a:t>3/22/2022</a:t>
+              <a:t>2/10/2023</a:t>
             </a:fld>
             <a:endParaRPr lang="en-US"/>
           </a:p>
@@ -5645,7 +5645,7 @@
             <a:fld id="{425404F2-BE9A-4460-8815-8F645183555F}" type="datetimeFigureOut">
               <a:rPr lang="en-US" smtClean="0"/>
               <a:pPr/>
-              <a:t>3/22/2022</a:t>
+              <a:t>2/10/2023</a:t>
             </a:fld>
             <a:endParaRPr lang="en-US"/>
           </a:p>
@@ -5883,7 +5883,7 @@
             <a:fld id="{425404F2-BE9A-4460-8815-8F645183555F}" type="datetimeFigureOut">
               <a:rPr lang="en-US" smtClean="0"/>
               <a:pPr/>
-              <a:t>3/22/2022</a:t>
+              <a:t>2/10/2023</a:t>
             </a:fld>
             <a:endParaRPr lang="en-US"/>
           </a:p>
@@ -6065,7 +6065,7 @@
             <a:fld id="{425404F2-BE9A-4460-8815-8F645183555F}" type="datetimeFigureOut">
               <a:rPr lang="en-US" smtClean="0"/>
               <a:pPr/>
-              <a:t>3/22/2022</a:t>
+              <a:t>2/10/2023</a:t>
             </a:fld>
             <a:endParaRPr lang="en-US"/>
           </a:p>
@@ -6342,7 +6342,7 @@
             <a:fld id="{425404F2-BE9A-4460-8815-8F645183555F}" type="datetimeFigureOut">
               <a:rPr lang="en-US" smtClean="0"/>
               <a:pPr/>
-              <a:t>3/22/2022</a:t>
+              <a:t>2/10/2023</a:t>
             </a:fld>
             <a:endParaRPr lang="en-US"/>
           </a:p>
@@ -6596,7 +6596,7 @@
             <a:fld id="{425404F2-BE9A-4460-8815-8F645183555F}" type="datetimeFigureOut">
               <a:rPr lang="en-US" smtClean="0"/>
               <a:pPr/>
-              <a:t>3/22/2022</a:t>
+              <a:t>2/10/2023</a:t>
             </a:fld>
             <a:endParaRPr lang="en-US"/>
           </a:p>
@@ -6766,7 +6766,7 @@
             <a:fld id="{425404F2-BE9A-4460-8815-8F645183555F}" type="datetimeFigureOut">
               <a:rPr lang="en-US" smtClean="0"/>
               <a:pPr/>
-              <a:t>3/22/2022</a:t>
+              <a:t>2/10/2023</a:t>
             </a:fld>
             <a:endParaRPr lang="en-US"/>
           </a:p>
@@ -6946,7 +6946,7 @@
             <a:fld id="{425404F2-BE9A-4460-8815-8F645183555F}" type="datetimeFigureOut">
               <a:rPr lang="en-US" smtClean="0"/>
               <a:pPr/>
-              <a:t>3/22/2022</a:t>
+              <a:t>2/10/2023</a:t>
             </a:fld>
             <a:endParaRPr lang="en-US"/>
           </a:p>
@@ -7192,7 +7192,7 @@
           <a:p>
             <a:fld id="{E26E0DA5-0C76-4851-AA82-0B75261F9EB4}" type="datetimeFigureOut">
               <a:rPr lang="en-US" smtClean="0"/>
-              <a:t>3/22/2022</a:t>
+              <a:t>2/10/2023</a:t>
             </a:fld>
             <a:endParaRPr lang="en-US"/>
           </a:p>
@@ -7421,7 +7421,7 @@
           <a:p>
             <a:fld id="{E26E0DA5-0C76-4851-AA82-0B75261F9EB4}" type="datetimeFigureOut">
               <a:rPr lang="en-US" smtClean="0"/>
-              <a:t>3/22/2022</a:t>
+              <a:t>2/10/2023</a:t>
             </a:fld>
             <a:endParaRPr lang="en-US"/>
           </a:p>
@@ -7785,7 +7785,7 @@
           <a:p>
             <a:fld id="{E26E0DA5-0C76-4851-AA82-0B75261F9EB4}" type="datetimeFigureOut">
               <a:rPr lang="en-US" smtClean="0"/>
-              <a:t>3/22/2022</a:t>
+              <a:t>2/10/2023</a:t>
             </a:fld>
             <a:endParaRPr lang="en-US"/>
           </a:p>
@@ -7902,7 +7902,7 @@
           <a:p>
             <a:fld id="{E26E0DA5-0C76-4851-AA82-0B75261F9EB4}" type="datetimeFigureOut">
               <a:rPr lang="en-US" smtClean="0"/>
-              <a:t>3/22/2022</a:t>
+              <a:t>2/10/2023</a:t>
             </a:fld>
             <a:endParaRPr lang="en-US"/>
           </a:p>
@@ -7997,7 +7997,7 @@
           <a:p>
             <a:fld id="{E26E0DA5-0C76-4851-AA82-0B75261F9EB4}" type="datetimeFigureOut">
               <a:rPr lang="en-US" smtClean="0"/>
-              <a:t>3/22/2022</a:t>
+              <a:t>2/10/2023</a:t>
             </a:fld>
             <a:endParaRPr lang="en-US"/>
           </a:p>
@@ -8272,7 +8272,7 @@
           <a:p>
             <a:fld id="{E26E0DA5-0C76-4851-AA82-0B75261F9EB4}" type="datetimeFigureOut">
               <a:rPr lang="en-US" smtClean="0"/>
-              <a:t>3/22/2022</a:t>
+              <a:t>2/10/2023</a:t>
             </a:fld>
             <a:endParaRPr lang="en-US"/>
           </a:p>
@@ -8524,7 +8524,7 @@
           <a:p>
             <a:fld id="{E26E0DA5-0C76-4851-AA82-0B75261F9EB4}" type="datetimeFigureOut">
               <a:rPr lang="en-US" smtClean="0"/>
-              <a:t>3/22/2022</a:t>
+              <a:t>2/10/2023</a:t>
             </a:fld>
             <a:endParaRPr lang="en-US"/>
           </a:p>
@@ -8735,7 +8735,7 @@
           <a:p>
             <a:fld id="{E26E0DA5-0C76-4851-AA82-0B75261F9EB4}" type="datetimeFigureOut">
               <a:rPr lang="en-US" smtClean="0"/>
-              <a:t>3/22/2022</a:t>
+              <a:t>2/10/2023</a:t>
             </a:fld>
             <a:endParaRPr lang="en-US"/>
           </a:p>
@@ -9292,7 +9292,7 @@
             <a:fld id="{425404F2-BE9A-4460-8815-8F645183555F}" type="datetimeFigureOut">
               <a:rPr lang="en-US" smtClean="0"/>
               <a:pPr/>
-              <a:t>3/22/2022</a:t>
+              <a:t>2/10/2023</a:t>
             </a:fld>
             <a:endParaRPr lang="en-US"/>
           </a:p>
@@ -14806,6 +14806,202 @@
           </a:p>
         </p:txBody>
       </p:sp>
+      <p:sp>
+        <p:nvSpPr>
+          <p:cNvPr id="3" name="Rectangle 2">
+            <a:extLst>
+              <a:ext uri="{FF2B5EF4-FFF2-40B4-BE49-F238E27FC236}">
+                <a16:creationId xmlns:a16="http://schemas.microsoft.com/office/drawing/2014/main" id="{74315D1E-7A30-EB25-5BAA-CCCD4B3990C4}"/>
+              </a:ext>
+            </a:extLst>
+          </p:cNvPr>
+          <p:cNvSpPr/>
+          <p:nvPr/>
+        </p:nvSpPr>
+        <p:spPr>
+          <a:xfrm>
+            <a:off x="695739" y="4194313"/>
+            <a:ext cx="2107096" cy="447261"/>
+          </a:xfrm>
+          <a:prstGeom prst="rect">
+            <a:avLst/>
+          </a:prstGeom>
+        </p:spPr>
+        <p:style>
+          <a:lnRef idx="2">
+            <a:schemeClr val="accent1">
+              <a:shade val="50000"/>
+            </a:schemeClr>
+          </a:lnRef>
+          <a:fillRef idx="1">
+            <a:schemeClr val="accent1"/>
+          </a:fillRef>
+          <a:effectRef idx="0">
+            <a:schemeClr val="accent1"/>
+          </a:effectRef>
+          <a:fontRef idx="minor">
+            <a:schemeClr val="lt1"/>
+          </a:fontRef>
+        </p:style>
+        <p:txBody>
+          <a:bodyPr rtlCol="0" anchor="ctr"/>
+          <a:lstStyle/>
+          <a:p>
+            <a:pPr algn="ctr"/>
+            <a:r>
+              <a:rPr lang="en-US" dirty="0"/>
+              <a:t>O ds1 exp</a:t>
+            </a:r>
+          </a:p>
+        </p:txBody>
+      </p:sp>
+      <p:sp>
+        <p:nvSpPr>
+          <p:cNvPr id="4" name="Rectangle 3">
+            <a:extLst>
+              <a:ext uri="{FF2B5EF4-FFF2-40B4-BE49-F238E27FC236}">
+                <a16:creationId xmlns:a16="http://schemas.microsoft.com/office/drawing/2014/main" id="{DD21046D-4EF1-7668-F060-6CD570A59097}"/>
+              </a:ext>
+            </a:extLst>
+          </p:cNvPr>
+          <p:cNvSpPr/>
+          <p:nvPr/>
+        </p:nvSpPr>
+        <p:spPr>
+          <a:xfrm>
+            <a:off x="695739" y="5191539"/>
+            <a:ext cx="2107096" cy="447261"/>
+          </a:xfrm>
+          <a:prstGeom prst="rect">
+            <a:avLst/>
+          </a:prstGeom>
+        </p:spPr>
+        <p:style>
+          <a:lnRef idx="2">
+            <a:schemeClr val="accent1">
+              <a:shade val="50000"/>
+            </a:schemeClr>
+          </a:lnRef>
+          <a:fillRef idx="1">
+            <a:schemeClr val="accent1"/>
+          </a:fillRef>
+          <a:effectRef idx="0">
+            <a:schemeClr val="accent1"/>
+          </a:effectRef>
+          <a:fontRef idx="minor">
+            <a:schemeClr val="lt1"/>
+          </a:fontRef>
+        </p:style>
+        <p:txBody>
+          <a:bodyPr rtlCol="0" anchor="ctr"/>
+          <a:lstStyle/>
+          <a:p>
+            <a:pPr algn="ctr"/>
+            <a:r>
+              <a:rPr lang="en-US" dirty="0"/>
+              <a:t>O ds2 rev</a:t>
+            </a:r>
+          </a:p>
+        </p:txBody>
+      </p:sp>
+      <p:sp>
+        <p:nvSpPr>
+          <p:cNvPr id="5" name="Rectangle 4">
+            <a:extLst>
+              <a:ext uri="{FF2B5EF4-FFF2-40B4-BE49-F238E27FC236}">
+                <a16:creationId xmlns:a16="http://schemas.microsoft.com/office/drawing/2014/main" id="{0C143D75-840F-44A6-93E9-169E87E3B1C0}"/>
+              </a:ext>
+            </a:extLst>
+          </p:cNvPr>
+          <p:cNvSpPr/>
+          <p:nvPr/>
+        </p:nvSpPr>
+        <p:spPr>
+          <a:xfrm>
+            <a:off x="3650974" y="4203170"/>
+            <a:ext cx="2107096" cy="447261"/>
+          </a:xfrm>
+          <a:prstGeom prst="rect">
+            <a:avLst/>
+          </a:prstGeom>
+        </p:spPr>
+        <p:style>
+          <a:lnRef idx="2">
+            <a:schemeClr val="accent1">
+              <a:shade val="50000"/>
+            </a:schemeClr>
+          </a:lnRef>
+          <a:fillRef idx="1">
+            <a:schemeClr val="accent1"/>
+          </a:fillRef>
+          <a:effectRef idx="0">
+            <a:schemeClr val="accent1"/>
+          </a:effectRef>
+          <a:fontRef idx="minor">
+            <a:schemeClr val="lt1"/>
+          </a:fontRef>
+        </p:style>
+        <p:txBody>
+          <a:bodyPr rtlCol="0" anchor="ctr"/>
+          <a:lstStyle/>
+          <a:p>
+            <a:pPr algn="ctr"/>
+            <a:r>
+              <a:rPr lang="en-US" dirty="0"/>
+              <a:t>BI Models 1</a:t>
+            </a:r>
+          </a:p>
+        </p:txBody>
+      </p:sp>
+      <p:sp>
+        <p:nvSpPr>
+          <p:cNvPr id="6" name="Rectangle 5">
+            <a:extLst>
+              <a:ext uri="{FF2B5EF4-FFF2-40B4-BE49-F238E27FC236}">
+                <a16:creationId xmlns:a16="http://schemas.microsoft.com/office/drawing/2014/main" id="{A799CBD4-010F-7905-D006-9496195F8976}"/>
+              </a:ext>
+            </a:extLst>
+          </p:cNvPr>
+          <p:cNvSpPr/>
+          <p:nvPr/>
+        </p:nvSpPr>
+        <p:spPr>
+          <a:xfrm>
+            <a:off x="3650974" y="5191539"/>
+            <a:ext cx="2107096" cy="447261"/>
+          </a:xfrm>
+          <a:prstGeom prst="rect">
+            <a:avLst/>
+          </a:prstGeom>
+        </p:spPr>
+        <p:style>
+          <a:lnRef idx="2">
+            <a:schemeClr val="accent1">
+              <a:shade val="50000"/>
+            </a:schemeClr>
+          </a:lnRef>
+          <a:fillRef idx="1">
+            <a:schemeClr val="accent1"/>
+          </a:fillRef>
+          <a:effectRef idx="0">
+            <a:schemeClr val="accent1"/>
+          </a:effectRef>
+          <a:fontRef idx="minor">
+            <a:schemeClr val="lt1"/>
+          </a:fontRef>
+        </p:style>
+        <p:txBody>
+          <a:bodyPr rtlCol="0" anchor="ctr"/>
+          <a:lstStyle/>
+          <a:p>
+            <a:pPr algn="ctr"/>
+            <a:r>
+              <a:rPr lang="en-US" dirty="0"/>
+              <a:t>BI Models 2</a:t>
+            </a:r>
+          </a:p>
+        </p:txBody>
+      </p:sp>
     </p:spTree>
     <p:extLst>
       <p:ext uri="{BB962C8B-B14F-4D97-AF65-F5344CB8AC3E}">
